--- a/topic-01-industry-talks/talk-01-cgm/cgm.pptx
+++ b/topic-01-industry-talks/talk-01-cgm/cgm.pptx
@@ -249,7 +249,7 @@
           <a:p>
             <a:fld id="{A49582C9-CE26-40B7-A5DD-8DA4292ACE55}" type="datetimeFigureOut">
               <a:rPr lang="en-IE" smtClean="0"/>
-              <a:t>23/05/2017</a:t>
+              <a:t>13/06/2018</a:t>
             </a:fld>
             <a:endParaRPr lang="en-IE"/>
           </a:p>
@@ -419,7 +419,7 @@
           <a:p>
             <a:fld id="{A49582C9-CE26-40B7-A5DD-8DA4292ACE55}" type="datetimeFigureOut">
               <a:rPr lang="en-IE" smtClean="0"/>
-              <a:t>23/05/2017</a:t>
+              <a:t>13/06/2018</a:t>
             </a:fld>
             <a:endParaRPr lang="en-IE"/>
           </a:p>
@@ -599,7 +599,7 @@
           <a:p>
             <a:fld id="{A49582C9-CE26-40B7-A5DD-8DA4292ACE55}" type="datetimeFigureOut">
               <a:rPr lang="en-IE" smtClean="0"/>
-              <a:t>23/05/2017</a:t>
+              <a:t>13/06/2018</a:t>
             </a:fld>
             <a:endParaRPr lang="en-IE"/>
           </a:p>
@@ -769,7 +769,7 @@
           <a:p>
             <a:fld id="{A49582C9-CE26-40B7-A5DD-8DA4292ACE55}" type="datetimeFigureOut">
               <a:rPr lang="en-IE" smtClean="0"/>
-              <a:t>23/05/2017</a:t>
+              <a:t>13/06/2018</a:t>
             </a:fld>
             <a:endParaRPr lang="en-IE"/>
           </a:p>
@@ -1015,7 +1015,7 @@
           <a:p>
             <a:fld id="{A49582C9-CE26-40B7-A5DD-8DA4292ACE55}" type="datetimeFigureOut">
               <a:rPr lang="en-IE" smtClean="0"/>
-              <a:t>23/05/2017</a:t>
+              <a:t>13/06/2018</a:t>
             </a:fld>
             <a:endParaRPr lang="en-IE"/>
           </a:p>
@@ -1247,7 +1247,7 @@
           <a:p>
             <a:fld id="{A49582C9-CE26-40B7-A5DD-8DA4292ACE55}" type="datetimeFigureOut">
               <a:rPr lang="en-IE" smtClean="0"/>
-              <a:t>23/05/2017</a:t>
+              <a:t>13/06/2018</a:t>
             </a:fld>
             <a:endParaRPr lang="en-IE"/>
           </a:p>
@@ -1614,7 +1614,7 @@
           <a:p>
             <a:fld id="{A49582C9-CE26-40B7-A5DD-8DA4292ACE55}" type="datetimeFigureOut">
               <a:rPr lang="en-IE" smtClean="0"/>
-              <a:t>23/05/2017</a:t>
+              <a:t>13/06/2018</a:t>
             </a:fld>
             <a:endParaRPr lang="en-IE"/>
           </a:p>
@@ -1732,7 +1732,7 @@
           <a:p>
             <a:fld id="{A49582C9-CE26-40B7-A5DD-8DA4292ACE55}" type="datetimeFigureOut">
               <a:rPr lang="en-IE" smtClean="0"/>
-              <a:t>23/05/2017</a:t>
+              <a:t>13/06/2018</a:t>
             </a:fld>
             <a:endParaRPr lang="en-IE"/>
           </a:p>
@@ -1827,7 +1827,7 @@
           <a:p>
             <a:fld id="{A49582C9-CE26-40B7-A5DD-8DA4292ACE55}" type="datetimeFigureOut">
               <a:rPr lang="en-IE" smtClean="0"/>
-              <a:t>23/05/2017</a:t>
+              <a:t>13/06/2018</a:t>
             </a:fld>
             <a:endParaRPr lang="en-IE"/>
           </a:p>
@@ -2104,7 +2104,7 @@
           <a:p>
             <a:fld id="{A49582C9-CE26-40B7-A5DD-8DA4292ACE55}" type="datetimeFigureOut">
               <a:rPr lang="en-IE" smtClean="0"/>
-              <a:t>23/05/2017</a:t>
+              <a:t>13/06/2018</a:t>
             </a:fld>
             <a:endParaRPr lang="en-IE"/>
           </a:p>
@@ -2357,7 +2357,7 @@
           <a:p>
             <a:fld id="{A49582C9-CE26-40B7-A5DD-8DA4292ACE55}" type="datetimeFigureOut">
               <a:rPr lang="en-IE" smtClean="0"/>
-              <a:t>23/05/2017</a:t>
+              <a:t>13/06/2018</a:t>
             </a:fld>
             <a:endParaRPr lang="en-IE"/>
           </a:p>
@@ -2570,7 +2570,7 @@
           <a:p>
             <a:fld id="{A49582C9-CE26-40B7-A5DD-8DA4292ACE55}" type="datetimeFigureOut">
               <a:rPr lang="en-IE" smtClean="0"/>
-              <a:t>23/05/2017</a:t>
+              <a:t>13/06/2018</a:t>
             </a:fld>
             <a:endParaRPr lang="en-IE"/>
           </a:p>
@@ -3267,7 +3267,7 @@
             <a:pPr algn="l"/>
             <a:r>
               <a:rPr lang="en-IE" dirty="0"/>
-              <a:t>QA, Planning &amp; Development Support - Waterford</a:t>
+              <a:t>QA, Planning &amp; Development - Waterford</a:t>
             </a:r>
           </a:p>
           <a:p>
@@ -3398,10 +3398,6 @@
           </a:p>
           <a:p>
             <a:pPr algn="l"/>
-            <a:endParaRPr lang="en-IE" dirty="0"/>
-          </a:p>
-          <a:p>
-            <a:pPr algn="l"/>
             <a:r>
               <a:rPr lang="en-IE" dirty="0"/>
               <a:t>3 Main streams of Development</a:t>
@@ -3443,6 +3439,33 @@
               <a:buChar char="•"/>
             </a:pPr>
             <a:endParaRPr lang="en-IE" dirty="0"/>
+          </a:p>
+          <a:p>
+            <a:pPr algn="l"/>
+            <a:r>
+              <a:rPr lang="en-IE" dirty="0"/>
+              <a:t>Discovery – Education Publishing Data</a:t>
+            </a:r>
+          </a:p>
+          <a:p>
+            <a:pPr marL="342900" indent="-342900" algn="l">
+              <a:buFont typeface="Arial" panose="020B0604020202020204" pitchFamily="34" charset="0"/>
+              <a:buChar char="•"/>
+            </a:pPr>
+            <a:r>
+              <a:rPr lang="en-IE" dirty="0"/>
+              <a:t>Data Gathering</a:t>
+            </a:r>
+          </a:p>
+          <a:p>
+            <a:pPr marL="342900" indent="-342900" algn="l">
+              <a:buFont typeface="Arial" panose="020B0604020202020204" pitchFamily="34" charset="0"/>
+              <a:buChar char="•"/>
+            </a:pPr>
+            <a:r>
+              <a:rPr lang="en-IE" dirty="0"/>
+              <a:t>Analysis</a:t>
+            </a:r>
           </a:p>
           <a:p>
             <a:pPr algn="l"/>
@@ -3754,7 +3777,7 @@
             </a:pPr>
             <a:r>
               <a:rPr lang="en-IE" dirty="0"/>
-              <a:t>Development – Automation, Logging &amp; Business support, Architecture</a:t>
+              <a:t>Development – Automation, Logging &amp; Business support, Architecture, Development</a:t>
             </a:r>
           </a:p>
           <a:p>
